--- a/Lessons/K_DataSources_Scraping_APIs/B_webscraping.pptx
+++ b/Lessons/K_DataSources_Scraping_APIs/B_webscraping.pptx
@@ -216,7 +216,7 @@
           <a:p>
             <a:fld id="{B0C0A60C-850A-4EA4-9C14-A8FE98B94505}" type="datetimeFigureOut">
               <a:rPr lang="en-US" smtClean="0"/>
-              <a:t>11/28/22</a:t>
+              <a:t>11/19/23</a:t>
             </a:fld>
             <a:endParaRPr lang="en-US"/>
           </a:p>
@@ -615,7 +615,7 @@
           <a:p>
             <a:fld id="{5738B90E-0779-4C36-915C-6F05FCD89456}" type="datetime1">
               <a:rPr lang="en-US" smtClean="0"/>
-              <a:t>11/28/22</a:t>
+              <a:t>11/19/23</a:t>
             </a:fld>
             <a:endParaRPr lang="en-US"/>
           </a:p>
@@ -792,7 +792,7 @@
           <a:p>
             <a:fld id="{7B9EA29D-D431-42FE-B7B6-AAE4454C77D3}" type="datetime1">
               <a:rPr lang="en-US" smtClean="0"/>
-              <a:t>11/28/22</a:t>
+              <a:t>11/19/23</a:t>
             </a:fld>
             <a:endParaRPr lang="en-US"/>
           </a:p>
@@ -1029,7 +1029,7 @@
           <a:p>
             <a:fld id="{690D8A1E-EA8F-46C1-B891-AE0C00D9C314}" type="datetime1">
               <a:rPr lang="en-US" smtClean="0"/>
-              <a:t>11/28/22</a:t>
+              <a:t>11/19/23</a:t>
             </a:fld>
             <a:endParaRPr lang="en-US"/>
           </a:p>
@@ -1282,7 +1282,7 @@
           <a:p>
             <a:fld id="{D753EFC8-4232-4598-94F6-94C0EBAFC469}" type="datetime1">
               <a:rPr lang="en-US" smtClean="0"/>
-              <a:t>11/28/22</a:t>
+              <a:t>11/19/23</a:t>
             </a:fld>
             <a:endParaRPr lang="en-US"/>
           </a:p>
@@ -1556,7 +1556,7 @@
           <a:p>
             <a:fld id="{F3161074-1C18-4AE7-957D-F18524378C85}" type="datetime1">
               <a:rPr lang="en-US" smtClean="0"/>
-              <a:t>11/28/22</a:t>
+              <a:t>11/19/23</a:t>
             </a:fld>
             <a:endParaRPr lang="en-US"/>
           </a:p>
@@ -1789,7 +1789,7 @@
           <a:p>
             <a:fld id="{69BE256C-8D9A-4404-B47D-41A1AE514425}" type="datetime1">
               <a:rPr lang="en-US" smtClean="0"/>
-              <a:t>11/28/22</a:t>
+              <a:t>11/19/23</a:t>
             </a:fld>
             <a:endParaRPr lang="en-US"/>
           </a:p>
@@ -2182,7 +2182,7 @@
           <a:p>
             <a:fld id="{66CB2154-9035-4012-8189-BAAB61C5A5EE}" type="datetime1">
               <a:rPr lang="en-US" smtClean="0"/>
-              <a:t>11/28/22</a:t>
+              <a:t>11/19/23</a:t>
             </a:fld>
             <a:endParaRPr lang="en-US"/>
           </a:p>
@@ -2333,7 +2333,7 @@
           <a:p>
             <a:fld id="{6700A58B-DD98-43D0-B791-721480A02982}" type="datetime1">
               <a:rPr lang="en-US" smtClean="0"/>
-              <a:t>11/28/22</a:t>
+              <a:t>11/19/23</a:t>
             </a:fld>
             <a:endParaRPr lang="en-US"/>
           </a:p>
@@ -2484,7 +2484,7 @@
           <a:p>
             <a:fld id="{7DB6E382-4F61-4E24-BE1A-377EC83D0E3A}" type="datetime1">
               <a:rPr lang="en-US" smtClean="0"/>
-              <a:t>11/28/22</a:t>
+              <a:t>11/19/23</a:t>
             </a:fld>
             <a:endParaRPr lang="en-US"/>
           </a:p>
@@ -2754,7 +2754,7 @@
           <a:p>
             <a:fld id="{4142EED6-FC16-45B9-B8C4-2BC5DBA88325}" type="datetime1">
               <a:rPr lang="en-US" smtClean="0"/>
-              <a:t>11/28/22</a:t>
+              <a:t>11/19/23</a:t>
             </a:fld>
             <a:endParaRPr lang="en-US"/>
           </a:p>
@@ -3031,7 +3031,7 @@
           <a:p>
             <a:fld id="{DF59512B-4F1D-43D7-8819-2F53FEF69650}" type="datetime1">
               <a:rPr lang="en-US" smtClean="0"/>
-              <a:t>11/28/22</a:t>
+              <a:t>11/19/23</a:t>
             </a:fld>
             <a:endParaRPr lang="en-US"/>
           </a:p>
@@ -3266,7 +3266,7 @@
           <a:p>
             <a:fld id="{08437B94-E2BF-44DC-ADC5-B05FC9934E9D}" type="datetime1">
               <a:rPr lang="en-US" smtClean="0"/>
-              <a:t>11/28/22</a:t>
+              <a:t>11/19/23</a:t>
             </a:fld>
             <a:endParaRPr lang="en-US"/>
           </a:p>
@@ -3794,7 +3794,7 @@
           <a:p>
             <a:fld id="{5738B90E-0779-4C36-915C-6F05FCD89456}" type="datetime1">
               <a:rPr lang="en-US" smtClean="0"/>
-              <a:t>11/28/22</a:t>
+              <a:t>11/19/23</a:t>
             </a:fld>
             <a:endParaRPr lang="en-US"/>
           </a:p>
@@ -3880,7 +3880,7 @@
           <a:p>
             <a:fld id="{6700A58B-DD98-43D0-B791-721480A02982}" type="datetime1">
               <a:rPr lang="en-US" smtClean="0"/>
-              <a:t>11/28/22</a:t>
+              <a:t>11/19/23</a:t>
             </a:fld>
             <a:endParaRPr lang="en-US"/>
           </a:p>
@@ -4058,7 +4058,7 @@
           <a:p>
             <a:fld id="{6700A58B-DD98-43D0-B791-721480A02982}" type="datetime1">
               <a:rPr lang="en-US" smtClean="0"/>
-              <a:t>11/28/22</a:t>
+              <a:t>11/19/23</a:t>
             </a:fld>
             <a:endParaRPr lang="en-US"/>
           </a:p>
@@ -4361,7 +4361,7 @@
           <a:p>
             <a:fld id="{6700A58B-DD98-43D0-B791-721480A02982}" type="datetime1">
               <a:rPr lang="en-US" smtClean="0"/>
-              <a:t>11/28/22</a:t>
+              <a:t>11/19/23</a:t>
             </a:fld>
             <a:endParaRPr lang="en-US"/>
           </a:p>
@@ -4447,7 +4447,7 @@
           <a:p>
             <a:fld id="{6700A58B-DD98-43D0-B791-721480A02982}" type="datetime1">
               <a:rPr lang="en-US" smtClean="0"/>
-              <a:t>11/28/22</a:t>
+              <a:t>11/19/23</a:t>
             </a:fld>
             <a:endParaRPr lang="en-US"/>
           </a:p>
@@ -4470,14 +4470,69 @@
           <a:p>
             <a:r>
               <a:rPr lang="en-US" dirty="0"/>
-              <a:t>Web Scraping Example</a:t>
+              <a:t>Web Scraping Example – using </a:t>
+            </a:r>
+            <a:r>
+              <a:rPr lang="en-US" dirty="0" err="1"/>
+              <a:t>xpath</a:t>
+            </a:r>
+            <a:r>
+              <a:rPr lang="en-US" dirty="0"/>
+              <a:t> &amp; </a:t>
+            </a:r>
+            <a:r>
+              <a:rPr lang="en-US" dirty="0" err="1"/>
+              <a:t>css</a:t>
+            </a:r>
+            <a:r>
+              <a:rPr lang="en-US" dirty="0"/>
+              <a:t> ID</a:t>
+            </a:r>
+          </a:p>
+        </p:txBody>
+      </p:sp>
+      <p:sp>
+        <p:nvSpPr>
+          <p:cNvPr id="9" name="Footer Placeholder 4">
+            <a:extLst>
+              <a:ext uri="{FF2B5EF4-FFF2-40B4-BE49-F238E27FC236}">
+                <a16:creationId xmlns:a16="http://schemas.microsoft.com/office/drawing/2014/main" id="{2AF1D535-7DF4-E244-A8E5-F97D7D6256DD}"/>
+              </a:ext>
+            </a:extLst>
+          </p:cNvPr>
+          <p:cNvSpPr>
+            <a:spLocks noGrp="1"/>
+          </p:cNvSpPr>
+          <p:nvPr>
+            <p:ph type="ftr" sz="quarter" idx="3"/>
+          </p:nvPr>
+        </p:nvSpPr>
+        <p:spPr>
+          <a:xfrm>
+            <a:off x="3028950" y="6356351"/>
+            <a:ext cx="3086100" cy="365125"/>
+          </a:xfrm>
+        </p:spPr>
+        <p:txBody>
+          <a:bodyPr/>
+          <a:lstStyle/>
+          <a:p>
+            <a:r>
+              <a:rPr lang="en-US" dirty="0"/>
+              <a:t>Kwartler</a:t>
             </a:r>
           </a:p>
         </p:txBody>
       </p:sp>
       <p:pic>
         <p:nvPicPr>
-          <p:cNvPr id="6" name="Picture 5"/>
+          <p:cNvPr id="4" name="Picture 3">
+            <a:extLst>
+              <a:ext uri="{FF2B5EF4-FFF2-40B4-BE49-F238E27FC236}">
+                <a16:creationId xmlns:a16="http://schemas.microsoft.com/office/drawing/2014/main" id="{1D91E926-C0FA-21C5-3E14-E6595289CB5E}"/>
+              </a:ext>
+            </a:extLst>
+          </p:cNvPr>
           <p:cNvPicPr>
             <a:picLocks noChangeAspect="1"/>
           </p:cNvPicPr>
@@ -4491,106 +4546,14 @@
         </p:blipFill>
         <p:spPr>
           <a:xfrm>
-            <a:off x="4986337" y="1171575"/>
-            <a:ext cx="3143249" cy="4714874"/>
+            <a:off x="685800" y="1356946"/>
+            <a:ext cx="7772400" cy="4144107"/>
           </a:xfrm>
           <a:prstGeom prst="rect">
             <a:avLst/>
           </a:prstGeom>
         </p:spPr>
       </p:pic>
-      <p:sp>
-        <p:nvSpPr>
-          <p:cNvPr id="7" name="TextBox 6"/>
-          <p:cNvSpPr txBox="1"/>
-          <p:nvPr/>
-        </p:nvSpPr>
-        <p:spPr>
-          <a:xfrm>
-            <a:off x="300038" y="2500313"/>
-            <a:ext cx="4613955" cy="1354217"/>
-          </a:xfrm>
-          <a:prstGeom prst="rect">
-            <a:avLst/>
-          </a:prstGeom>
-          <a:noFill/>
-        </p:spPr>
-        <p:txBody>
-          <a:bodyPr wrap="none" rtlCol="0">
-            <a:spAutoFit/>
-          </a:bodyPr>
-          <a:lstStyle/>
-          <a:p>
-            <a:r>
-              <a:rPr lang="en-US" sz="2800" b="1" dirty="0"/>
-              <a:t>IMDB.com </a:t>
-            </a:r>
-          </a:p>
-          <a:p>
-            <a:pPr marL="285750" indent="-285750">
-              <a:buFont typeface="Arial" panose="020B0604020202020204" pitchFamily="34" charset="0"/>
-              <a:buChar char="•"/>
-            </a:pPr>
-            <a:r>
-              <a:rPr lang="en-US" dirty="0"/>
-              <a:t>Internet Movie Database</a:t>
-            </a:r>
-          </a:p>
-          <a:p>
-            <a:pPr marL="285750" indent="-285750">
-              <a:buFont typeface="Arial" panose="020B0604020202020204" pitchFamily="34" charset="0"/>
-              <a:buChar char="•"/>
-            </a:pPr>
-            <a:r>
-              <a:rPr lang="en-US" dirty="0"/>
-              <a:t>Owned by Amazon.com</a:t>
-            </a:r>
-          </a:p>
-          <a:p>
-            <a:pPr marL="285750" indent="-285750">
-              <a:buFont typeface="Arial" panose="020B0604020202020204" pitchFamily="34" charset="0"/>
-              <a:buChar char="•"/>
-            </a:pPr>
-            <a:r>
-              <a:rPr lang="en-US" dirty="0"/>
-              <a:t>Realistically messy but doesn’t stop scraping</a:t>
-            </a:r>
-          </a:p>
-        </p:txBody>
-      </p:sp>
-      <p:sp>
-        <p:nvSpPr>
-          <p:cNvPr id="9" name="Footer Placeholder 4">
-            <a:extLst>
-              <a:ext uri="{FF2B5EF4-FFF2-40B4-BE49-F238E27FC236}">
-                <a16:creationId xmlns:a16="http://schemas.microsoft.com/office/drawing/2014/main" id="{2AF1D535-7DF4-E244-A8E5-F97D7D6256DD}"/>
-              </a:ext>
-            </a:extLst>
-          </p:cNvPr>
-          <p:cNvSpPr>
-            <a:spLocks noGrp="1"/>
-          </p:cNvSpPr>
-          <p:nvPr>
-            <p:ph type="ftr" sz="quarter" idx="3"/>
-          </p:nvPr>
-        </p:nvSpPr>
-        <p:spPr>
-          <a:xfrm>
-            <a:off x="3028950" y="6356351"/>
-            <a:ext cx="3086100" cy="365125"/>
-          </a:xfrm>
-        </p:spPr>
-        <p:txBody>
-          <a:bodyPr/>
-          <a:lstStyle/>
-          <a:p>
-            <a:r>
-              <a:rPr lang="en-US" dirty="0"/>
-              <a:t>Kwartler</a:t>
-            </a:r>
-          </a:p>
-        </p:txBody>
-      </p:sp>
     </p:spTree>
     <p:extLst>
       <p:ext uri="{BB962C8B-B14F-4D97-AF65-F5344CB8AC3E}">
@@ -4638,7 +4601,7 @@
           <a:p>
             <a:fld id="{6700A58B-DD98-43D0-B791-721480A02982}" type="datetime1">
               <a:rPr lang="en-US" smtClean="0"/>
-              <a:t>11/28/22</a:t>
+              <a:t>11/19/23</a:t>
             </a:fld>
             <a:endParaRPr lang="en-US"/>
           </a:p>
@@ -4675,7 +4638,7 @@
         <p:spPr>
           <a:xfrm>
             <a:off x="668740" y="1037224"/>
-            <a:ext cx="2727734" cy="523220"/>
+            <a:ext cx="2910477" cy="523220"/>
           </a:xfrm>
           <a:prstGeom prst="rect">
             <a:avLst/>
@@ -4689,10 +4652,9 @@
           <a:lstStyle/>
           <a:p>
             <a:r>
-              <a:rPr lang="en-US" sz="2800" dirty="0" err="1"/>
-              <a:t>D_webScraping.R</a:t>
-            </a:r>
-            <a:endParaRPr lang="en-US" sz="2800" dirty="0"/>
+              <a:rPr lang="en-US" sz="2800" dirty="0"/>
+              <a:t>D_webScraping2.R</a:t>
+            </a:r>
           </a:p>
         </p:txBody>
       </p:sp>
@@ -4731,32 +4693,49 @@
       </p:sp>
       <p:pic>
         <p:nvPicPr>
-          <p:cNvPr id="4" name="Picture 3">
+          <p:cNvPr id="1026" name="Picture 2" descr="The 10 Best Star Wars Memes">
             <a:extLst>
               <a:ext uri="{FF2B5EF4-FFF2-40B4-BE49-F238E27FC236}">
-                <a16:creationId xmlns:a16="http://schemas.microsoft.com/office/drawing/2014/main" id="{1B03B2E9-0091-4856-6D34-8FB4FC96BA36}"/>
+                <a16:creationId xmlns:a16="http://schemas.microsoft.com/office/drawing/2014/main" id="{AAB2FCF4-604F-23EE-34E0-2C6DB2C817DC}"/>
               </a:ext>
             </a:extLst>
           </p:cNvPr>
           <p:cNvPicPr>
-            <a:picLocks noChangeAspect="1"/>
+            <a:picLocks noChangeAspect="1" noChangeArrowheads="1"/>
           </p:cNvPicPr>
           <p:nvPr/>
         </p:nvPicPr>
         <p:blipFill>
-          <a:blip r:embed="rId2"/>
+          <a:blip r:embed="rId2">
+            <a:extLst>
+              <a:ext uri="{28A0092B-C50C-407E-A947-70E740481C1C}">
+                <a14:useLocalDpi xmlns:a14="http://schemas.microsoft.com/office/drawing/2010/main" val="0"/>
+              </a:ext>
+            </a:extLst>
+          </a:blip>
+          <a:srcRect/>
           <a:stretch>
             <a:fillRect/>
           </a:stretch>
         </p:blipFill>
-        <p:spPr>
-          <a:xfrm>
-            <a:off x="685800" y="2131572"/>
-            <a:ext cx="7772400" cy="3689204"/>
+        <p:spPr bwMode="auto">
+          <a:xfrm>
+            <a:off x="2013735" y="2234233"/>
+            <a:ext cx="5116530" cy="3448328"/>
           </a:xfrm>
           <a:prstGeom prst="rect">
             <a:avLst/>
           </a:prstGeom>
+          <a:noFill/>
+          <a:extLst>
+            <a:ext uri="{909E8E84-426E-40DD-AFC4-6F175D3DCCD1}">
+              <a14:hiddenFill xmlns:a14="http://schemas.microsoft.com/office/drawing/2010/main">
+                <a:solidFill>
+                  <a:srgbClr val="FFFFFF"/>
+                </a:solidFill>
+              </a14:hiddenFill>
+            </a:ext>
+          </a:extLst>
         </p:spPr>
       </p:pic>
     </p:spTree>
@@ -4850,7 +4829,7 @@
           <a:p>
             <a:fld id="{6700A58B-DD98-43D0-B791-721480A02982}" type="datetime1">
               <a:rPr lang="en-US" smtClean="0"/>
-              <a:t>11/28/22</a:t>
+              <a:t>11/19/23</a:t>
             </a:fld>
             <a:endParaRPr lang="en-US"/>
           </a:p>
@@ -5258,7 +5237,7 @@
           <a:p>
             <a:fld id="{6700A58B-DD98-43D0-B791-721480A02982}" type="datetime1">
               <a:rPr lang="en-US" smtClean="0"/>
-              <a:t>11/28/22</a:t>
+              <a:t>11/19/23</a:t>
             </a:fld>
             <a:endParaRPr lang="en-US"/>
           </a:p>
@@ -6315,7 +6294,7 @@
           <a:p>
             <a:fld id="{6700A58B-DD98-43D0-B791-721480A02982}" type="datetime1">
               <a:rPr lang="en-US" smtClean="0"/>
-              <a:t>11/28/22</a:t>
+              <a:t>11/19/23</a:t>
             </a:fld>
             <a:endParaRPr lang="en-US"/>
           </a:p>
